--- a/Class Slides 2022/Class 8.pptx
+++ b/Class Slides 2022/Class 8.pptx
@@ -5,24 +5,26 @@
     <p:sldMasterId id="2147483648" r:id="rId1"/>
   </p:sldMasterIdLst>
   <p:notesMasterIdLst>
-    <p:notesMasterId r:id="rId17"/>
+    <p:notesMasterId r:id="rId19"/>
   </p:notesMasterIdLst>
   <p:sldIdLst>
     <p:sldId id="256" r:id="rId2"/>
-    <p:sldId id="258" r:id="rId3"/>
-    <p:sldId id="257" r:id="rId4"/>
-    <p:sldId id="272" r:id="rId5"/>
-    <p:sldId id="273" r:id="rId6"/>
-    <p:sldId id="275" r:id="rId7"/>
-    <p:sldId id="276" r:id="rId8"/>
-    <p:sldId id="274" r:id="rId9"/>
-    <p:sldId id="350" r:id="rId10"/>
-    <p:sldId id="351" r:id="rId11"/>
-    <p:sldId id="277" r:id="rId12"/>
-    <p:sldId id="352" r:id="rId13"/>
-    <p:sldId id="341" r:id="rId14"/>
-    <p:sldId id="342" r:id="rId15"/>
-    <p:sldId id="278" r:id="rId16"/>
+    <p:sldId id="266" r:id="rId3"/>
+    <p:sldId id="258" r:id="rId4"/>
+    <p:sldId id="257" r:id="rId5"/>
+    <p:sldId id="272" r:id="rId6"/>
+    <p:sldId id="273" r:id="rId7"/>
+    <p:sldId id="275" r:id="rId8"/>
+    <p:sldId id="276" r:id="rId9"/>
+    <p:sldId id="274" r:id="rId10"/>
+    <p:sldId id="353" r:id="rId11"/>
+    <p:sldId id="350" r:id="rId12"/>
+    <p:sldId id="351" r:id="rId13"/>
+    <p:sldId id="277" r:id="rId14"/>
+    <p:sldId id="352" r:id="rId15"/>
+    <p:sldId id="341" r:id="rId16"/>
+    <p:sldId id="342" r:id="rId17"/>
+    <p:sldId id="278" r:id="rId18"/>
   </p:sldIdLst>
   <p:sldSz cx="12192000" cy="6858000"/>
   <p:notesSz cx="6858000" cy="9144000"/>
@@ -121,6 +123,11 @@
       </a:defRPr>
     </a:lvl9pPr>
   </p:defaultTextStyle>
+  <p:extLst>
+    <p:ext uri="{EFAFB233-063F-42B5-8137-9DF3F51BA10A}">
+      <p15:sldGuideLst xmlns:p15="http://schemas.microsoft.com/office/powerpoint/2012/main"/>
+    </p:ext>
+  </p:extLst>
 </p:presentation>
 </file>
 
@@ -564,7 +571,7 @@
           <a:p>
             <a:fld id="{FA1B9F50-FE6C-4F6B-8908-CB1C4B189899}" type="datetimeFigureOut">
               <a:rPr lang="en-US" smtClean="0"/>
-              <a:t>10/6/2022</a:t>
+              <a:t>1/8/2024</a:t>
             </a:fld>
             <a:endParaRPr lang="en-US"/>
           </a:p>
@@ -850,7 +857,7 @@
       </p:grpSpPr>
       <p:sp>
         <p:nvSpPr>
-          <p:cNvPr id="7" name="Rectangle 7"/>
+          <p:cNvPr id="18434" name="Rectangle 7"/>
           <p:cNvSpPr>
             <a:spLocks noGrp="1" noChangeArrowheads="1"/>
           </p:cNvSpPr>
@@ -859,14 +866,14 @@
           </p:nvPr>
         </p:nvSpPr>
         <p:spPr>
-          <a:ln/>
+          <a:noFill/>
         </p:spPr>
         <p:txBody>
           <a:bodyPr/>
           <a:lstStyle/>
           <a:p>
-            <a:fld id="{CAA3B38E-DA85-40EC-A8F3-39351D205A9B}" type="slidenum">
-              <a:rPr lang="en-US"/>
+            <a:fld id="{50D19C12-4DFF-43B1-B212-EEBFA616618C}" type="slidenum">
+              <a:rPr lang="en-US" smtClean="0"/>
               <a:pPr/>
               <a:t>2</a:t>
             </a:fld>
@@ -876,7 +883,7 @@
       </p:sp>
       <p:sp>
         <p:nvSpPr>
-          <p:cNvPr id="10242" name="Rectangle 2"/>
+          <p:cNvPr id="18435" name="Rectangle 2"/>
           <p:cNvSpPr>
             <a:spLocks noGrp="1" noRot="1" noChangeAspect="1" noChangeArrowheads="1" noTextEdit="1"/>
           </p:cNvSpPr>
@@ -890,7 +897,7 @@
       </p:sp>
       <p:sp>
         <p:nvSpPr>
-          <p:cNvPr id="10243" name="Rectangle 3"/>
+          <p:cNvPr id="18436" name="Rectangle 3"/>
           <p:cNvSpPr>
             <a:spLocks noGrp="1" noChangeArrowheads="1"/>
           </p:cNvSpPr>
@@ -898,16 +905,25 @@
             <p:ph type="body" idx="1"/>
           </p:nvPr>
         </p:nvSpPr>
-        <p:spPr/>
+        <p:spPr>
+          <a:noFill/>
+          <a:ln/>
+        </p:spPr>
         <p:txBody>
           <a:bodyPr/>
           <a:lstStyle/>
           <a:p>
+            <a:pPr eaLnBrk="1" hangingPunct="1"/>
             <a:endParaRPr lang="en-US"/>
           </a:p>
         </p:txBody>
       </p:sp>
     </p:spTree>
+    <p:extLst>
+      <p:ext uri="{BB962C8B-B14F-4D97-AF65-F5344CB8AC3E}">
+        <p14:creationId xmlns:p14="http://schemas.microsoft.com/office/powerpoint/2010/main" val="3314270972"/>
+      </p:ext>
+    </p:extLst>
   </p:cSld>
   <p:clrMapOvr>
     <a:masterClrMapping/>
@@ -949,7 +965,7 @@
           <a:bodyPr/>
           <a:lstStyle/>
           <a:p>
-            <a:fld id="{377C02E2-1C9D-4ECD-B5C6-9D16C46ADADA}" type="slidenum">
+            <a:fld id="{CAA3B38E-DA85-40EC-A8F3-39351D205A9B}" type="slidenum">
               <a:rPr lang="en-US"/>
               <a:pPr/>
               <a:t>3</a:t>
@@ -960,7 +976,7 @@
       </p:sp>
       <p:sp>
         <p:nvSpPr>
-          <p:cNvPr id="7170" name="Rectangle 2"/>
+          <p:cNvPr id="10242" name="Rectangle 2"/>
           <p:cNvSpPr>
             <a:spLocks noGrp="1" noRot="1" noChangeAspect="1" noChangeArrowheads="1" noTextEdit="1"/>
           </p:cNvSpPr>
@@ -974,7 +990,7 @@
       </p:sp>
       <p:sp>
         <p:nvSpPr>
-          <p:cNvPr id="7171" name="Rectangle 3"/>
+          <p:cNvPr id="10243" name="Rectangle 3"/>
           <p:cNvSpPr>
             <a:spLocks noGrp="1" noChangeArrowheads="1"/>
           </p:cNvSpPr>
@@ -1018,6 +1034,90 @@
       </p:grpSpPr>
       <p:sp>
         <p:nvSpPr>
+          <p:cNvPr id="7" name="Rectangle 7"/>
+          <p:cNvSpPr>
+            <a:spLocks noGrp="1" noChangeArrowheads="1"/>
+          </p:cNvSpPr>
+          <p:nvPr>
+            <p:ph type="sldNum" sz="quarter" idx="5"/>
+          </p:nvPr>
+        </p:nvSpPr>
+        <p:spPr>
+          <a:ln/>
+        </p:spPr>
+        <p:txBody>
+          <a:bodyPr/>
+          <a:lstStyle/>
+          <a:p>
+            <a:fld id="{377C02E2-1C9D-4ECD-B5C6-9D16C46ADADA}" type="slidenum">
+              <a:rPr lang="en-US"/>
+              <a:pPr/>
+              <a:t>4</a:t>
+            </a:fld>
+            <a:endParaRPr lang="en-US"/>
+          </a:p>
+        </p:txBody>
+      </p:sp>
+      <p:sp>
+        <p:nvSpPr>
+          <p:cNvPr id="7170" name="Rectangle 2"/>
+          <p:cNvSpPr>
+            <a:spLocks noGrp="1" noRot="1" noChangeAspect="1" noChangeArrowheads="1" noTextEdit="1"/>
+          </p:cNvSpPr>
+          <p:nvPr>
+            <p:ph type="sldImg"/>
+          </p:nvPr>
+        </p:nvSpPr>
+        <p:spPr>
+          <a:ln/>
+        </p:spPr>
+      </p:sp>
+      <p:sp>
+        <p:nvSpPr>
+          <p:cNvPr id="7171" name="Rectangle 3"/>
+          <p:cNvSpPr>
+            <a:spLocks noGrp="1" noChangeArrowheads="1"/>
+          </p:cNvSpPr>
+          <p:nvPr>
+            <p:ph type="body" idx="1"/>
+          </p:nvPr>
+        </p:nvSpPr>
+        <p:spPr/>
+        <p:txBody>
+          <a:bodyPr/>
+          <a:lstStyle/>
+          <a:p>
+            <a:endParaRPr lang="en-US"/>
+          </a:p>
+        </p:txBody>
+      </p:sp>
+    </p:spTree>
+  </p:cSld>
+  <p:clrMapOvr>
+    <a:masterClrMapping/>
+  </p:clrMapOvr>
+</p:notes>
+</file>
+
+<file path=ppt/notesSlides/notesSlide4.xml><?xml version="1.0" encoding="utf-8"?>
+<p:notes xmlns:a="http://schemas.openxmlformats.org/drawingml/2006/main" xmlns:r="http://schemas.openxmlformats.org/officeDocument/2006/relationships" xmlns:p="http://schemas.openxmlformats.org/presentationml/2006/main">
+  <p:cSld>
+    <p:spTree>
+      <p:nvGrpSpPr>
+        <p:cNvPr id="1" name=""/>
+        <p:cNvGrpSpPr/>
+        <p:nvPr/>
+      </p:nvGrpSpPr>
+      <p:grpSpPr>
+        <a:xfrm>
+          <a:off x="0" y="0"/>
+          <a:ext cx="0" cy="0"/>
+          <a:chOff x="0" y="0"/>
+          <a:chExt cx="0" cy="0"/>
+        </a:xfrm>
+      </p:grpSpPr>
+      <p:sp>
+        <p:nvSpPr>
           <p:cNvPr id="2" name="Slide Image Placeholder 1"/>
           <p:cNvSpPr>
             <a:spLocks noGrp="1" noRot="1" noChangeAspect="1"/>
@@ -1070,7 +1170,7 @@
               <a:pPr>
                 <a:defRPr/>
               </a:pPr>
-              <a:t>14</a:t>
+              <a:t>16</a:t>
             </a:fld>
             <a:endParaRPr lang="en-US"/>
           </a:p>
@@ -1236,7 +1336,7 @@
           <a:p>
             <a:fld id="{F1A94D68-23BD-48D2-BC5F-602C755F07C6}" type="datetimeFigureOut">
               <a:rPr lang="en-US" smtClean="0"/>
-              <a:t>10/6/2022</a:t>
+              <a:t>1/8/2024</a:t>
             </a:fld>
             <a:endParaRPr lang="en-US"/>
           </a:p>
@@ -1434,7 +1534,7 @@
           <a:p>
             <a:fld id="{F1A94D68-23BD-48D2-BC5F-602C755F07C6}" type="datetimeFigureOut">
               <a:rPr lang="en-US" smtClean="0"/>
-              <a:t>10/6/2022</a:t>
+              <a:t>1/8/2024</a:t>
             </a:fld>
             <a:endParaRPr lang="en-US"/>
           </a:p>
@@ -1642,7 +1742,7 @@
           <a:p>
             <a:fld id="{F1A94D68-23BD-48D2-BC5F-602C755F07C6}" type="datetimeFigureOut">
               <a:rPr lang="en-US" smtClean="0"/>
-              <a:t>10/6/2022</a:t>
+              <a:t>1/8/2024</a:t>
             </a:fld>
             <a:endParaRPr lang="en-US"/>
           </a:p>
@@ -1840,7 +1940,7 @@
           <a:p>
             <a:fld id="{F1A94D68-23BD-48D2-BC5F-602C755F07C6}" type="datetimeFigureOut">
               <a:rPr lang="en-US" smtClean="0"/>
-              <a:t>10/6/2022</a:t>
+              <a:t>1/8/2024</a:t>
             </a:fld>
             <a:endParaRPr lang="en-US"/>
           </a:p>
@@ -2115,7 +2215,7 @@
           <a:p>
             <a:fld id="{F1A94D68-23BD-48D2-BC5F-602C755F07C6}" type="datetimeFigureOut">
               <a:rPr lang="en-US" smtClean="0"/>
-              <a:t>10/6/2022</a:t>
+              <a:t>1/8/2024</a:t>
             </a:fld>
             <a:endParaRPr lang="en-US"/>
           </a:p>
@@ -2380,7 +2480,7 @@
           <a:p>
             <a:fld id="{F1A94D68-23BD-48D2-BC5F-602C755F07C6}" type="datetimeFigureOut">
               <a:rPr lang="en-US" smtClean="0"/>
-              <a:t>10/6/2022</a:t>
+              <a:t>1/8/2024</a:t>
             </a:fld>
             <a:endParaRPr lang="en-US"/>
           </a:p>
@@ -2792,7 +2892,7 @@
           <a:p>
             <a:fld id="{F1A94D68-23BD-48D2-BC5F-602C755F07C6}" type="datetimeFigureOut">
               <a:rPr lang="en-US" smtClean="0"/>
-              <a:t>10/6/2022</a:t>
+              <a:t>1/8/2024</a:t>
             </a:fld>
             <a:endParaRPr lang="en-US"/>
           </a:p>
@@ -2933,7 +3033,7 @@
           <a:p>
             <a:fld id="{F1A94D68-23BD-48D2-BC5F-602C755F07C6}" type="datetimeFigureOut">
               <a:rPr lang="en-US" smtClean="0"/>
-              <a:t>10/6/2022</a:t>
+              <a:t>1/8/2024</a:t>
             </a:fld>
             <a:endParaRPr lang="en-US"/>
           </a:p>
@@ -3046,7 +3146,7 @@
           <a:p>
             <a:fld id="{F1A94D68-23BD-48D2-BC5F-602C755F07C6}" type="datetimeFigureOut">
               <a:rPr lang="en-US" smtClean="0"/>
-              <a:t>10/6/2022</a:t>
+              <a:t>1/8/2024</a:t>
             </a:fld>
             <a:endParaRPr lang="en-US"/>
           </a:p>
@@ -3357,7 +3457,7 @@
           <a:p>
             <a:fld id="{F1A94D68-23BD-48D2-BC5F-602C755F07C6}" type="datetimeFigureOut">
               <a:rPr lang="en-US" smtClean="0"/>
-              <a:t>10/6/2022</a:t>
+              <a:t>1/8/2024</a:t>
             </a:fld>
             <a:endParaRPr lang="en-US"/>
           </a:p>
@@ -3645,7 +3745,7 @@
           <a:p>
             <a:fld id="{F1A94D68-23BD-48D2-BC5F-602C755F07C6}" type="datetimeFigureOut">
               <a:rPr lang="en-US" smtClean="0"/>
-              <a:t>10/6/2022</a:t>
+              <a:t>1/8/2024</a:t>
             </a:fld>
             <a:endParaRPr lang="en-US"/>
           </a:p>
@@ -3886,7 +3986,7 @@
           <a:p>
             <a:fld id="{F1A94D68-23BD-48D2-BC5F-602C755F07C6}" type="datetimeFigureOut">
               <a:rPr lang="en-US" smtClean="0"/>
-              <a:t>10/6/2022</a:t>
+              <a:t>1/8/2024</a:t>
             </a:fld>
             <a:endParaRPr lang="en-US"/>
           </a:p>
@@ -4420,6 +4520,177 @@
           <p:cNvPr id="2" name="Title 1">
             <a:extLst>
               <a:ext uri="{FF2B5EF4-FFF2-40B4-BE49-F238E27FC236}">
+                <a16:creationId xmlns:a16="http://schemas.microsoft.com/office/drawing/2014/main" id="{FCE6D42D-38D8-C73C-07FA-197E2E57DE67}"/>
+              </a:ext>
+            </a:extLst>
+          </p:cNvPr>
+          <p:cNvSpPr>
+            <a:spLocks noGrp="1"/>
+          </p:cNvSpPr>
+          <p:nvPr>
+            <p:ph type="title"/>
+          </p:nvPr>
+        </p:nvSpPr>
+        <p:spPr/>
+        <p:txBody>
+          <a:bodyPr/>
+          <a:lstStyle/>
+          <a:p>
+            <a:endParaRPr lang="en-US"/>
+          </a:p>
+        </p:txBody>
+      </p:sp>
+      <p:sp>
+        <p:nvSpPr>
+          <p:cNvPr id="3" name="Content Placeholder 2">
+            <a:extLst>
+              <a:ext uri="{FF2B5EF4-FFF2-40B4-BE49-F238E27FC236}">
+                <a16:creationId xmlns:a16="http://schemas.microsoft.com/office/drawing/2014/main" id="{039CAC86-4860-11C7-6F44-BE49EB150B78}"/>
+              </a:ext>
+            </a:extLst>
+          </p:cNvPr>
+          <p:cNvSpPr>
+            <a:spLocks noGrp="1"/>
+          </p:cNvSpPr>
+          <p:nvPr>
+            <p:ph idx="1"/>
+          </p:nvPr>
+        </p:nvSpPr>
+        <p:spPr/>
+        <p:txBody>
+          <a:bodyPr/>
+          <a:lstStyle/>
+          <a:p>
+            <a:r>
+              <a:rPr lang="en-US" dirty="0"/>
+              <a:t>G&amp;W should </a:t>
+            </a:r>
+            <a:r>
+              <a:rPr lang="en-US"/>
+              <a:t>be class 9</a:t>
+            </a:r>
+          </a:p>
+        </p:txBody>
+      </p:sp>
+    </p:spTree>
+    <p:extLst>
+      <p:ext uri="{BB962C8B-B14F-4D97-AF65-F5344CB8AC3E}">
+        <p14:creationId xmlns:p14="http://schemas.microsoft.com/office/powerpoint/2010/main" val="3612861621"/>
+      </p:ext>
+    </p:extLst>
+  </p:cSld>
+  <p:clrMapOvr>
+    <a:masterClrMapping/>
+  </p:clrMapOvr>
+</p:sld>
+</file>
+
+<file path=ppt/slides/slide11.xml><?xml version="1.0" encoding="utf-8"?>
+<p:sld xmlns:a="http://schemas.openxmlformats.org/drawingml/2006/main" xmlns:r="http://schemas.openxmlformats.org/officeDocument/2006/relationships" xmlns:p="http://schemas.openxmlformats.org/presentationml/2006/main">
+  <p:cSld>
+    <p:spTree>
+      <p:nvGrpSpPr>
+        <p:cNvPr id="1" name=""/>
+        <p:cNvGrpSpPr/>
+        <p:nvPr/>
+      </p:nvGrpSpPr>
+      <p:grpSpPr>
+        <a:xfrm>
+          <a:off x="0" y="0"/>
+          <a:ext cx="0" cy="0"/>
+          <a:chOff x="0" y="0"/>
+          <a:chExt cx="0" cy="0"/>
+        </a:xfrm>
+      </p:grpSpPr>
+      <p:sp>
+        <p:nvSpPr>
+          <p:cNvPr id="2" name="Title 1">
+            <a:extLst>
+              <a:ext uri="{FF2B5EF4-FFF2-40B4-BE49-F238E27FC236}">
+                <a16:creationId xmlns:a16="http://schemas.microsoft.com/office/drawing/2014/main" id="{A2AE4807-5DB0-4850-86C9-01ED3BE228F5}"/>
+              </a:ext>
+            </a:extLst>
+          </p:cNvPr>
+          <p:cNvSpPr>
+            <a:spLocks noGrp="1"/>
+          </p:cNvSpPr>
+          <p:nvPr>
+            <p:ph type="title"/>
+          </p:nvPr>
+        </p:nvSpPr>
+        <p:spPr/>
+        <p:txBody>
+          <a:bodyPr/>
+          <a:lstStyle/>
+          <a:p>
+            <a:endParaRPr lang="en-US"/>
+          </a:p>
+        </p:txBody>
+      </p:sp>
+      <p:pic>
+        <p:nvPicPr>
+          <p:cNvPr id="5" name="Content Placeholder 4">
+            <a:extLst>
+              <a:ext uri="{FF2B5EF4-FFF2-40B4-BE49-F238E27FC236}">
+                <a16:creationId xmlns:a16="http://schemas.microsoft.com/office/drawing/2014/main" id="{FC72EDAA-BD18-477C-8555-E041126D5068}"/>
+              </a:ext>
+            </a:extLst>
+          </p:cNvPr>
+          <p:cNvPicPr>
+            <a:picLocks noGrp="1" noChangeAspect="1"/>
+          </p:cNvPicPr>
+          <p:nvPr>
+            <p:ph idx="1"/>
+          </p:nvPr>
+        </p:nvPicPr>
+        <p:blipFill>
+          <a:blip r:embed="rId2"/>
+          <a:stretch>
+            <a:fillRect/>
+          </a:stretch>
+        </p:blipFill>
+        <p:spPr>
+          <a:xfrm>
+            <a:off x="1503218" y="365125"/>
+            <a:ext cx="9457706" cy="5657506"/>
+          </a:xfrm>
+        </p:spPr>
+      </p:pic>
+    </p:spTree>
+    <p:extLst>
+      <p:ext uri="{BB962C8B-B14F-4D97-AF65-F5344CB8AC3E}">
+        <p14:creationId xmlns:p14="http://schemas.microsoft.com/office/powerpoint/2010/main" val="628076863"/>
+      </p:ext>
+    </p:extLst>
+  </p:cSld>
+  <p:clrMapOvr>
+    <a:masterClrMapping/>
+  </p:clrMapOvr>
+</p:sld>
+</file>
+
+<file path=ppt/slides/slide12.xml><?xml version="1.0" encoding="utf-8"?>
+<p:sld xmlns:a="http://schemas.openxmlformats.org/drawingml/2006/main" xmlns:r="http://schemas.openxmlformats.org/officeDocument/2006/relationships" xmlns:p="http://schemas.openxmlformats.org/presentationml/2006/main">
+  <p:cSld>
+    <p:spTree>
+      <p:nvGrpSpPr>
+        <p:cNvPr id="1" name=""/>
+        <p:cNvGrpSpPr/>
+        <p:nvPr/>
+      </p:nvGrpSpPr>
+      <p:grpSpPr>
+        <a:xfrm>
+          <a:off x="0" y="0"/>
+          <a:ext cx="0" cy="0"/>
+          <a:chOff x="0" y="0"/>
+          <a:chExt cx="0" cy="0"/>
+        </a:xfrm>
+      </p:grpSpPr>
+      <p:sp>
+        <p:nvSpPr>
+          <p:cNvPr id="2" name="Title 1">
+            <a:extLst>
+              <a:ext uri="{FF2B5EF4-FFF2-40B4-BE49-F238E27FC236}">
                 <a16:creationId xmlns:a16="http://schemas.microsoft.com/office/drawing/2014/main" id="{56B5A7F1-D33C-B4FF-454B-40CABE1DB9F0}"/>
               </a:ext>
             </a:extLst>
@@ -4539,7 +4810,7 @@
 </p:sld>
 </file>
 
-<file path=ppt/slides/slide11.xml><?xml version="1.0" encoding="utf-8"?>
+<file path=ppt/slides/slide13.xml><?xml version="1.0" encoding="utf-8"?>
 <p:sld xmlns:a="http://schemas.openxmlformats.org/drawingml/2006/main" xmlns:r="http://schemas.openxmlformats.org/officeDocument/2006/relationships" xmlns:p="http://schemas.openxmlformats.org/presentationml/2006/main">
   <p:cSld>
     <p:spTree>
@@ -4702,7 +4973,7 @@
 </p:sld>
 </file>
 
-<file path=ppt/slides/slide12.xml><?xml version="1.0" encoding="utf-8"?>
+<file path=ppt/slides/slide14.xml><?xml version="1.0" encoding="utf-8"?>
 <p:sld xmlns:a="http://schemas.openxmlformats.org/drawingml/2006/main" xmlns:r="http://schemas.openxmlformats.org/officeDocument/2006/relationships" xmlns:p="http://schemas.openxmlformats.org/presentationml/2006/main">
   <p:cSld>
     <p:spTree>
@@ -4829,7 +5100,7 @@
 </p:sld>
 </file>
 
-<file path=ppt/slides/slide13.xml><?xml version="1.0" encoding="utf-8"?>
+<file path=ppt/slides/slide15.xml><?xml version="1.0" encoding="utf-8"?>
 <p:sld xmlns:a="http://schemas.openxmlformats.org/drawingml/2006/main" xmlns:r="http://schemas.openxmlformats.org/officeDocument/2006/relationships" xmlns:p="http://schemas.openxmlformats.org/presentationml/2006/main">
   <p:cSld>
     <p:spTree>
@@ -5066,7 +5337,7 @@
 </p:sld>
 </file>
 
-<file path=ppt/slides/slide14.xml><?xml version="1.0" encoding="utf-8"?>
+<file path=ppt/slides/slide16.xml><?xml version="1.0" encoding="utf-8"?>
 <p:sld xmlns:a="http://schemas.openxmlformats.org/drawingml/2006/main" xmlns:r="http://schemas.openxmlformats.org/officeDocument/2006/relationships" xmlns:p="http://schemas.openxmlformats.org/presentationml/2006/main">
   <p:cSld>
     <p:spTree>
@@ -5296,7 +5567,7 @@
 </p:sld>
 </file>
 
-<file path=ppt/slides/slide15.xml><?xml version="1.0" encoding="utf-8"?>
+<file path=ppt/slides/slide17.xml><?xml version="1.0" encoding="utf-8"?>
 <p:sld xmlns:a="http://schemas.openxmlformats.org/drawingml/2006/main" xmlns:r="http://schemas.openxmlformats.org/officeDocument/2006/relationships" xmlns:p="http://schemas.openxmlformats.org/presentationml/2006/main">
   <p:cSld>
     <p:spTree>
@@ -5336,7 +5607,7 @@
           <a:p>
             <a:r>
               <a:rPr lang="en-US" dirty="0"/>
-              <a:t>For Monday Oct 10</a:t>
+              <a:t>For Monday Jan 22</a:t>
             </a:r>
           </a:p>
         </p:txBody>
@@ -5450,6 +5721,143 @@
       </p:grpSpPr>
       <p:sp>
         <p:nvSpPr>
+          <p:cNvPr id="3074" name="Text Box 2"/>
+          <p:cNvSpPr txBox="1">
+            <a:spLocks noChangeArrowheads="1"/>
+          </p:cNvSpPr>
+          <p:nvPr/>
+        </p:nvSpPr>
+        <p:spPr bwMode="auto">
+          <a:xfrm>
+            <a:off x="961901" y="716189"/>
+            <a:ext cx="9547761" cy="5201424"/>
+          </a:xfrm>
+          <a:prstGeom prst="rect">
+            <a:avLst/>
+          </a:prstGeom>
+          <a:noFill/>
+          <a:ln w="9525">
+            <a:noFill/>
+            <a:miter lim="800000"/>
+            <a:headEnd/>
+            <a:tailEnd/>
+          </a:ln>
+        </p:spPr>
+        <p:txBody>
+          <a:bodyPr wrap="square">
+            <a:spAutoFit/>
+          </a:bodyPr>
+          <a:lstStyle/>
+          <a:p>
+            <a:pPr>
+              <a:spcBef>
+                <a:spcPts val="600"/>
+              </a:spcBef>
+            </a:pPr>
+            <a:r>
+              <a:rPr lang="en-US" sz="2400" dirty="0">
+                <a:latin typeface="Times New Roman" pitchFamily="18" charset="0"/>
+                <a:cs typeface="Times New Roman" pitchFamily="18" charset="0"/>
+              </a:rPr>
+              <a:t>In an effort to determine the effects of the drug chlorpromazine on the performance of schizophrenics, two clinical investigators randomly selected 20 acute schizophrenics from a mental hospital population.</a:t>
+            </a:r>
+          </a:p>
+          <a:p>
+            <a:pPr>
+              <a:spcBef>
+                <a:spcPts val="600"/>
+              </a:spcBef>
+            </a:pPr>
+            <a:r>
+              <a:rPr lang="en-US" sz="2400" dirty="0">
+                <a:latin typeface="Times New Roman" pitchFamily="18" charset="0"/>
+                <a:cs typeface="Times New Roman" pitchFamily="18" charset="0"/>
+              </a:rPr>
+              <a:t>The patients were asked to order several stimuli along some dimension, such as ordering eight stimuli by weight.  </a:t>
+            </a:r>
+          </a:p>
+          <a:p>
+            <a:pPr>
+              <a:spcBef>
+                <a:spcPts val="600"/>
+              </a:spcBef>
+            </a:pPr>
+            <a:r>
+              <a:rPr lang="en-US" sz="2400" dirty="0">
+                <a:latin typeface="Times New Roman" pitchFamily="18" charset="0"/>
+                <a:cs typeface="Times New Roman" pitchFamily="18" charset="0"/>
+              </a:rPr>
+              <a:t>There were several tasks of this sort.  </a:t>
+            </a:r>
+          </a:p>
+          <a:p>
+            <a:pPr>
+              <a:spcBef>
+                <a:spcPts val="600"/>
+              </a:spcBef>
+            </a:pPr>
+            <a:r>
+              <a:rPr lang="en-US" sz="2400" dirty="0">
+                <a:latin typeface="Times New Roman" pitchFamily="18" charset="0"/>
+                <a:cs typeface="Times New Roman" pitchFamily="18" charset="0"/>
+              </a:rPr>
+              <a:t>The investigators used a within-subject design in which all participants first performed the tasks after being injected with a saline solution (placebo) and then performed the tasks again several hours later after being injected with chlorpromazine.  </a:t>
+            </a:r>
+          </a:p>
+          <a:p>
+            <a:pPr>
+              <a:spcBef>
+                <a:spcPts val="600"/>
+              </a:spcBef>
+            </a:pPr>
+            <a:r>
+              <a:rPr lang="en-US" sz="2400" dirty="0">
+                <a:latin typeface="Times New Roman" pitchFamily="18" charset="0"/>
+                <a:cs typeface="Times New Roman" pitchFamily="18" charset="0"/>
+              </a:rPr>
+              <a:t>The results indicated that fewer errors were made in the chlorpromazine treatment, which suggested to the investigators that the drug facilitates more adequate cognitive functioning in this type of patient.</a:t>
+            </a:r>
+            <a:r>
+              <a:rPr lang="en-US" sz="2400" dirty="0">
+                <a:latin typeface="Times New Roman" pitchFamily="18" charset="0"/>
+              </a:rPr>
+              <a:t> </a:t>
+            </a:r>
+          </a:p>
+        </p:txBody>
+      </p:sp>
+    </p:spTree>
+    <p:extLst>
+      <p:ext uri="{BB962C8B-B14F-4D97-AF65-F5344CB8AC3E}">
+        <p14:creationId xmlns:p14="http://schemas.microsoft.com/office/powerpoint/2010/main" val="2418888819"/>
+      </p:ext>
+    </p:extLst>
+  </p:cSld>
+  <p:clrMapOvr>
+    <a:masterClrMapping/>
+  </p:clrMapOvr>
+</p:sld>
+</file>
+
+<file path=ppt/slides/slide3.xml><?xml version="1.0" encoding="utf-8"?>
+<p:sld xmlns:a="http://schemas.openxmlformats.org/drawingml/2006/main" xmlns:r="http://schemas.openxmlformats.org/officeDocument/2006/relationships" xmlns:p="http://schemas.openxmlformats.org/presentationml/2006/main">
+  <p:cSld>
+    <p:spTree>
+      <p:nvGrpSpPr>
+        <p:cNvPr id="1" name=""/>
+        <p:cNvGrpSpPr/>
+        <p:nvPr/>
+      </p:nvGrpSpPr>
+      <p:grpSpPr>
+        <a:xfrm>
+          <a:off x="0" y="0"/>
+          <a:ext cx="0" cy="0"/>
+          <a:chOff x="0" y="0"/>
+          <a:chExt cx="0" cy="0"/>
+        </a:xfrm>
+      </p:grpSpPr>
+      <p:sp>
+        <p:nvSpPr>
           <p:cNvPr id="9218" name="Rectangle 2"/>
           <p:cNvSpPr>
             <a:spLocks noGrp="1" noChangeArrowheads="1"/>
@@ -5502,7 +5910,7 @@
 </p:sld>
 </file>
 
-<file path=ppt/slides/slide3.xml><?xml version="1.0" encoding="utf-8"?>
+<file path=ppt/slides/slide4.xml><?xml version="1.0" encoding="utf-8"?>
 <p:sld xmlns:a="http://schemas.openxmlformats.org/drawingml/2006/main" xmlns:r="http://schemas.openxmlformats.org/officeDocument/2006/relationships" xmlns:p="http://schemas.openxmlformats.org/presentationml/2006/main">
   <p:cSld>
     <p:spTree>
@@ -7665,95 +8073,6 @@
 </p:sld>
 </file>
 
-<file path=ppt/slides/slide4.xml><?xml version="1.0" encoding="utf-8"?>
-<p:sld xmlns:a="http://schemas.openxmlformats.org/drawingml/2006/main" xmlns:r="http://schemas.openxmlformats.org/officeDocument/2006/relationships" xmlns:p="http://schemas.openxmlformats.org/presentationml/2006/main">
-  <p:cSld>
-    <p:spTree>
-      <p:nvGrpSpPr>
-        <p:cNvPr id="1" name=""/>
-        <p:cNvGrpSpPr/>
-        <p:nvPr/>
-      </p:nvGrpSpPr>
-      <p:grpSpPr>
-        <a:xfrm>
-          <a:off x="0" y="0"/>
-          <a:ext cx="0" cy="0"/>
-          <a:chOff x="0" y="0"/>
-          <a:chExt cx="0" cy="0"/>
-        </a:xfrm>
-      </p:grpSpPr>
-      <p:sp>
-        <p:nvSpPr>
-          <p:cNvPr id="2" name="Title 1"/>
-          <p:cNvSpPr>
-            <a:spLocks noGrp="1"/>
-          </p:cNvSpPr>
-          <p:nvPr>
-            <p:ph type="title"/>
-          </p:nvPr>
-        </p:nvSpPr>
-        <p:spPr/>
-        <p:txBody>
-          <a:bodyPr/>
-          <a:lstStyle/>
-          <a:p>
-            <a:r>
-              <a:rPr lang="en-US" dirty="0"/>
-              <a:t>Smiling</a:t>
-            </a:r>
-          </a:p>
-        </p:txBody>
-      </p:sp>
-      <p:sp>
-        <p:nvSpPr>
-          <p:cNvPr id="4" name="Content Placeholder 3"/>
-          <p:cNvSpPr>
-            <a:spLocks noGrp="1"/>
-          </p:cNvSpPr>
-          <p:nvPr>
-            <p:ph sz="half" idx="2"/>
-          </p:nvPr>
-        </p:nvSpPr>
-        <p:spPr/>
-        <p:txBody>
-          <a:bodyPr/>
-          <a:lstStyle/>
-          <a:p>
-            <a:r>
-              <a:rPr lang="en-US" dirty="0"/>
-              <a:t>Two-sample t-test assuming equal variances, t(8)=0.69, p&gt;0.65</a:t>
-            </a:r>
-          </a:p>
-        </p:txBody>
-      </p:sp>
-      <p:graphicFrame>
-        <p:nvGraphicFramePr>
-          <p:cNvPr id="5" name="Content Placeholder 4"/>
-          <p:cNvGraphicFramePr>
-            <a:graphicFrameLocks noGrp="1"/>
-          </p:cNvGraphicFramePr>
-          <p:nvPr>
-            <p:ph sz="half" idx="1"/>
-          </p:nvPr>
-        </p:nvGraphicFramePr>
-        <p:xfrm>
-          <a:off x="1981200" y="1600201"/>
-          <a:ext cx="4038600" cy="4525963"/>
-        </p:xfrm>
-        <a:graphic>
-          <a:graphicData uri="http://schemas.openxmlformats.org/drawingml/2006/chart">
-            <c:chart xmlns:c="http://schemas.openxmlformats.org/drawingml/2006/chart" xmlns:r="http://schemas.openxmlformats.org/officeDocument/2006/relationships" r:id="rId2"/>
-          </a:graphicData>
-        </a:graphic>
-      </p:graphicFrame>
-    </p:spTree>
-  </p:cSld>
-  <p:clrMapOvr>
-    <a:masterClrMapping/>
-  </p:clrMapOvr>
-</p:sld>
-</file>
-
 <file path=ppt/slides/slide5.xml><?xml version="1.0" encoding="utf-8"?>
 <p:sld xmlns:a="http://schemas.openxmlformats.org/drawingml/2006/main" xmlns:r="http://schemas.openxmlformats.org/officeDocument/2006/relationships" xmlns:p="http://schemas.openxmlformats.org/presentationml/2006/main">
   <p:cSld>
@@ -7810,7 +8129,7 @@
           <a:p>
             <a:r>
               <a:rPr lang="en-US" dirty="0"/>
-              <a:t>Paired t-test, t(4)=2.83, p&lt; .05</a:t>
+              <a:t>Two-sample t-test assuming equal variances, t(8)=0.69, p&gt;0.65</a:t>
             </a:r>
           </a:p>
         </p:txBody>
@@ -7862,13 +8181,7 @@
       </p:grpSpPr>
       <p:sp>
         <p:nvSpPr>
-          <p:cNvPr id="5" name="Title 4">
-            <a:extLst>
-              <a:ext uri="{FF2B5EF4-FFF2-40B4-BE49-F238E27FC236}">
-                <a16:creationId xmlns:a16="http://schemas.microsoft.com/office/drawing/2014/main" id="{A7E5530A-D97C-6C44-2A09-00FE88C813CB}"/>
-              </a:ext>
-            </a:extLst>
-          </p:cNvPr>
+          <p:cNvPr id="2" name="Title 1"/>
           <p:cNvSpPr>
             <a:spLocks noGrp="1"/>
           </p:cNvSpPr>
@@ -7883,25 +8196,19 @@
           <a:p>
             <a:r>
               <a:rPr lang="en-US" dirty="0"/>
-              <a:t>Within-participants design</a:t>
-            </a:r>
-          </a:p>
-        </p:txBody>
-      </p:sp>
-      <p:sp>
-        <p:nvSpPr>
-          <p:cNvPr id="6" name="Content Placeholder 5">
-            <a:extLst>
-              <a:ext uri="{FF2B5EF4-FFF2-40B4-BE49-F238E27FC236}">
-                <a16:creationId xmlns:a16="http://schemas.microsoft.com/office/drawing/2014/main" id="{AEBDF586-82B8-8316-385A-7FDE88DC5881}"/>
-              </a:ext>
-            </a:extLst>
-          </p:cNvPr>
-          <p:cNvSpPr>
-            <a:spLocks noGrp="1"/>
-          </p:cNvSpPr>
-          <p:nvPr>
-            <p:ph idx="1"/>
+              <a:t>Smiling</a:t>
+            </a:r>
+          </a:p>
+        </p:txBody>
+      </p:sp>
+      <p:sp>
+        <p:nvSpPr>
+          <p:cNvPr id="4" name="Content Placeholder 3"/>
+          <p:cNvSpPr>
+            <a:spLocks noGrp="1"/>
+          </p:cNvSpPr>
+          <p:nvPr>
+            <p:ph sz="half" idx="2"/>
           </p:nvPr>
         </p:nvSpPr>
         <p:spPr/>
@@ -7911,47 +8218,32 @@
           <a:p>
             <a:r>
               <a:rPr lang="en-US" dirty="0"/>
-              <a:t>Generally better</a:t>
-            </a:r>
-          </a:p>
-          <a:p>
-            <a:pPr lvl="1"/>
-            <a:r>
-              <a:rPr lang="en-US" dirty="0"/>
-              <a:t>Except when it’s not</a:t>
-            </a:r>
-          </a:p>
-          <a:p>
-            <a:r>
-              <a:rPr lang="en-US" dirty="0"/>
-              <a:t>Advantages</a:t>
-            </a:r>
-          </a:p>
-          <a:p>
-            <a:pPr lvl="1"/>
-            <a:r>
-              <a:rPr lang="en-US" dirty="0"/>
-              <a:t>Highly efficient.  Each participant provides data in all conditions so accumulating data collection towards the planned number of participants is more rapid.</a:t>
-            </a:r>
-          </a:p>
-          <a:p>
-            <a:pPr lvl="1"/>
-            <a:r>
-              <a:rPr lang="en-US" dirty="0"/>
-              <a:t>Perfect control of participant variables.  Since all participants provided data on all conditions, the conditions are exactly matched for all extraneous variables related to the participants on the task, e.g., motivation, attention, ability.</a:t>
-            </a:r>
-          </a:p>
-          <a:p>
-            <a:endParaRPr lang="en-US" dirty="0"/>
-          </a:p>
-        </p:txBody>
-      </p:sp>
+              <a:t>Paired t-test, t(4)=2.83, p&lt; .05</a:t>
+            </a:r>
+          </a:p>
+        </p:txBody>
+      </p:sp>
+      <p:graphicFrame>
+        <p:nvGraphicFramePr>
+          <p:cNvPr id="5" name="Content Placeholder 4"/>
+          <p:cNvGraphicFramePr>
+            <a:graphicFrameLocks noGrp="1"/>
+          </p:cNvGraphicFramePr>
+          <p:nvPr>
+            <p:ph sz="half" idx="1"/>
+          </p:nvPr>
+        </p:nvGraphicFramePr>
+        <p:xfrm>
+          <a:off x="1981200" y="1600201"/>
+          <a:ext cx="4038600" cy="4525963"/>
+        </p:xfrm>
+        <a:graphic>
+          <a:graphicData uri="http://schemas.openxmlformats.org/drawingml/2006/chart">
+            <c:chart xmlns:c="http://schemas.openxmlformats.org/drawingml/2006/chart" xmlns:r="http://schemas.openxmlformats.org/officeDocument/2006/relationships" r:id="rId2"/>
+          </a:graphicData>
+        </a:graphic>
+      </p:graphicFrame>
     </p:spTree>
-    <p:extLst>
-      <p:ext uri="{BB962C8B-B14F-4D97-AF65-F5344CB8AC3E}">
-        <p14:creationId xmlns:p14="http://schemas.microsoft.com/office/powerpoint/2010/main" val="1016171898"/>
-      </p:ext>
-    </p:extLst>
   </p:cSld>
   <p:clrMapOvr>
     <a:masterClrMapping/>
@@ -7978,10 +8270,10 @@
       </p:grpSpPr>
       <p:sp>
         <p:nvSpPr>
-          <p:cNvPr id="2" name="Title 1">
-            <a:extLst>
-              <a:ext uri="{FF2B5EF4-FFF2-40B4-BE49-F238E27FC236}">
-                <a16:creationId xmlns:a16="http://schemas.microsoft.com/office/drawing/2014/main" id="{F43FC3EF-58AA-9A7F-B843-9F4ED42F987D}"/>
+          <p:cNvPr id="5" name="Title 4">
+            <a:extLst>
+              <a:ext uri="{FF2B5EF4-FFF2-40B4-BE49-F238E27FC236}">
+                <a16:creationId xmlns:a16="http://schemas.microsoft.com/office/drawing/2014/main" id="{A7E5530A-D97C-6C44-2A09-00FE88C813CB}"/>
               </a:ext>
             </a:extLst>
           </p:cNvPr>
@@ -7999,17 +8291,17 @@
           <a:p>
             <a:r>
               <a:rPr lang="en-US" dirty="0"/>
-              <a:t>Within-participant design concerns</a:t>
-            </a:r>
-          </a:p>
-        </p:txBody>
-      </p:sp>
-      <p:sp>
-        <p:nvSpPr>
-          <p:cNvPr id="3" name="Content Placeholder 2">
-            <a:extLst>
-              <a:ext uri="{FF2B5EF4-FFF2-40B4-BE49-F238E27FC236}">
-                <a16:creationId xmlns:a16="http://schemas.microsoft.com/office/drawing/2014/main" id="{3FD0B176-7A01-7C6E-79BD-21CAA5D1B990}"/>
+              <a:t>Within-participants design</a:t>
+            </a:r>
+          </a:p>
+        </p:txBody>
+      </p:sp>
+      <p:sp>
+        <p:nvSpPr>
+          <p:cNvPr id="6" name="Content Placeholder 5">
+            <a:extLst>
+              <a:ext uri="{FF2B5EF4-FFF2-40B4-BE49-F238E27FC236}">
+                <a16:creationId xmlns:a16="http://schemas.microsoft.com/office/drawing/2014/main" id="{AEBDF586-82B8-8316-385A-7FDE88DC5881}"/>
               </a:ext>
             </a:extLst>
           </p:cNvPr>
@@ -8027,60 +8319,45 @@
           <a:p>
             <a:r>
               <a:rPr lang="en-US" dirty="0"/>
-              <a:t>History effects: carryover, learning, fatigue</a:t>
+              <a:t>Generally better</a:t>
             </a:r>
           </a:p>
           <a:p>
             <a:pPr lvl="1"/>
             <a:r>
               <a:rPr lang="en-US" dirty="0"/>
-              <a:t>Counterbalance order across participants</a:t>
+              <a:t>Except when it’s not</a:t>
+            </a:r>
+          </a:p>
+          <a:p>
+            <a:r>
+              <a:rPr lang="en-US" dirty="0"/>
+              <a:t>Advantages</a:t>
             </a:r>
           </a:p>
           <a:p>
             <a:pPr lvl="1"/>
             <a:r>
               <a:rPr lang="en-US" dirty="0"/>
-              <a:t>Be aware when this doesn’t work</a:t>
-            </a:r>
-          </a:p>
-          <a:p>
-            <a:pPr lvl="2"/>
+              <a:t>Highly efficient.  Each participant provides data in all conditions so accumulating data collection towards the planned number of participants is more rapid.</a:t>
+            </a:r>
+          </a:p>
+          <a:p>
+            <a:pPr lvl="1"/>
             <a:r>
               <a:rPr lang="en-US" dirty="0"/>
-              <a:t>Can require a factorial analysis (Chapters 9-11)</a:t>
-            </a:r>
-          </a:p>
-          <a:p>
-            <a:pPr lvl="2"/>
+              <a:t>Perfect control of participant variables.  Since all participants provided data on all conditions, the conditions are exactly matched for all extraneous variables related to the participants on the task, e.g., motivation, attention, ability.</a:t>
+            </a:r>
+          </a:p>
+          <a:p>
             <a:endParaRPr lang="en-US" dirty="0"/>
-          </a:p>
-          <a:p>
-            <a:r>
-              <a:rPr lang="en-US" dirty="0"/>
-              <a:t>Participants aware of all IV levels</a:t>
-            </a:r>
-          </a:p>
-          <a:p>
-            <a:pPr lvl="1"/>
-            <a:r>
-              <a:rPr lang="en-US" dirty="0"/>
-              <a:t>Might be aware of the experimental hypothesis</a:t>
-            </a:r>
-          </a:p>
-          <a:p>
-            <a:pPr lvl="1"/>
-            <a:r>
-              <a:rPr lang="en-US" dirty="0"/>
-              <a:t>Might therefore be biased in responding</a:t>
-            </a:r>
           </a:p>
         </p:txBody>
       </p:sp>
     </p:spTree>
     <p:extLst>
       <p:ext uri="{BB962C8B-B14F-4D97-AF65-F5344CB8AC3E}">
-        <p14:creationId xmlns:p14="http://schemas.microsoft.com/office/powerpoint/2010/main" val="900003278"/>
+        <p14:creationId xmlns:p14="http://schemas.microsoft.com/office/powerpoint/2010/main" val="1016171898"/>
       </p:ext>
     </p:extLst>
   </p:cSld>
@@ -8109,10 +8386,10 @@
       </p:grpSpPr>
       <p:sp>
         <p:nvSpPr>
-          <p:cNvPr id="5" name="Title 4">
-            <a:extLst>
-              <a:ext uri="{FF2B5EF4-FFF2-40B4-BE49-F238E27FC236}">
-                <a16:creationId xmlns:a16="http://schemas.microsoft.com/office/drawing/2014/main" id="{92F574E5-3F2A-F12C-2975-5AE21DE7135E}"/>
+          <p:cNvPr id="2" name="Title 1">
+            <a:extLst>
+              <a:ext uri="{FF2B5EF4-FFF2-40B4-BE49-F238E27FC236}">
+                <a16:creationId xmlns:a16="http://schemas.microsoft.com/office/drawing/2014/main" id="{F43FC3EF-58AA-9A7F-B843-9F4ED42F987D}"/>
               </a:ext>
             </a:extLst>
           </p:cNvPr>
@@ -8130,17 +8407,17 @@
           <a:p>
             <a:r>
               <a:rPr lang="en-US" dirty="0"/>
-              <a:t>Questions</a:t>
-            </a:r>
-          </a:p>
-        </p:txBody>
-      </p:sp>
-      <p:sp>
-        <p:nvSpPr>
-          <p:cNvPr id="6" name="Content Placeholder 5">
-            <a:extLst>
-              <a:ext uri="{FF2B5EF4-FFF2-40B4-BE49-F238E27FC236}">
-                <a16:creationId xmlns:a16="http://schemas.microsoft.com/office/drawing/2014/main" id="{A19D7ECB-8CCE-8E1A-AF0D-50B6A493FB0C}"/>
+              <a:t>Within-participant design concerns</a:t>
+            </a:r>
+          </a:p>
+        </p:txBody>
+      </p:sp>
+      <p:sp>
+        <p:nvSpPr>
+          <p:cNvPr id="3" name="Content Placeholder 2">
+            <a:extLst>
+              <a:ext uri="{FF2B5EF4-FFF2-40B4-BE49-F238E27FC236}">
+                <a16:creationId xmlns:a16="http://schemas.microsoft.com/office/drawing/2014/main" id="{3FD0B176-7A01-7C6E-79BD-21CAA5D1B990}"/>
               </a:ext>
             </a:extLst>
           </p:cNvPr>
@@ -8156,66 +8433,62 @@
           <a:bodyPr/>
           <a:lstStyle/>
           <a:p>
-            <a:pPr algn="l"/>
-            <a:r>
-              <a:rPr lang="en-US" b="0" i="0" dirty="0">
-                <a:solidFill>
-                  <a:srgbClr val="2D3B45"/>
-                </a:solidFill>
-                <a:effectLst/>
-                <a:latin typeface="Lato Extended"/>
-              </a:rPr>
-              <a:t>1. Why is it generally impractical to use a within-participants design in studies that have an element of deception (e.g., the implicit bias studies)?</a:t>
-            </a:r>
-          </a:p>
-          <a:p>
-            <a:pPr algn="l"/>
-            <a:r>
-              <a:rPr lang="en-US" b="0" i="0" dirty="0">
-                <a:solidFill>
-                  <a:srgbClr val="2D3B45"/>
-                </a:solidFill>
-                <a:effectLst/>
-                <a:latin typeface="Lato Extended"/>
-              </a:rPr>
-              <a:t>2. For a study assessing time to recognize famous faces upside-down, why would a within-participants design be a good idea?  Give two reasons.</a:t>
-            </a:r>
-          </a:p>
-          <a:p>
-            <a:pPr algn="l"/>
-            <a:r>
-              <a:rPr lang="en-US" b="0" i="0" dirty="0">
-                <a:solidFill>
-                  <a:srgbClr val="2D3B45"/>
-                </a:solidFill>
-                <a:effectLst/>
-                <a:latin typeface="Lato Extended"/>
-              </a:rPr>
-              <a:t>3. Why are mood manipulation studies difficult to do as a within-participants design?</a:t>
-            </a:r>
-          </a:p>
-          <a:p>
-            <a:pPr algn="l"/>
-            <a:r>
-              <a:rPr lang="en-US" b="0" i="0" dirty="0">
-                <a:solidFill>
-                  <a:srgbClr val="2D3B45"/>
-                </a:solidFill>
-                <a:effectLst/>
-                <a:latin typeface="Lato Extended"/>
-              </a:rPr>
-              <a:t>4.  Why are learning-based studies difficult to do as a within-participants design?</a:t>
-            </a:r>
-          </a:p>
-          <a:p>
+            <a:r>
+              <a:rPr lang="en-US" dirty="0"/>
+              <a:t>History effects: carryover, learning, fatigue</a:t>
+            </a:r>
+          </a:p>
+          <a:p>
+            <a:pPr lvl="1"/>
+            <a:r>
+              <a:rPr lang="en-US" dirty="0"/>
+              <a:t>Counterbalance order across participants</a:t>
+            </a:r>
+          </a:p>
+          <a:p>
+            <a:pPr lvl="1"/>
+            <a:r>
+              <a:rPr lang="en-US" dirty="0"/>
+              <a:t>Be aware when this doesn’t work</a:t>
+            </a:r>
+          </a:p>
+          <a:p>
+            <a:pPr lvl="2"/>
+            <a:r>
+              <a:rPr lang="en-US" dirty="0"/>
+              <a:t>Can require a factorial analysis (Chapters 9-11)</a:t>
+            </a:r>
+          </a:p>
+          <a:p>
+            <a:pPr lvl="2"/>
             <a:endParaRPr lang="en-US" dirty="0"/>
+          </a:p>
+          <a:p>
+            <a:r>
+              <a:rPr lang="en-US" dirty="0"/>
+              <a:t>Participants aware of all IV levels</a:t>
+            </a:r>
+          </a:p>
+          <a:p>
+            <a:pPr lvl="1"/>
+            <a:r>
+              <a:rPr lang="en-US" dirty="0"/>
+              <a:t>Might be aware of the experimental hypothesis</a:t>
+            </a:r>
+          </a:p>
+          <a:p>
+            <a:pPr lvl="1"/>
+            <a:r>
+              <a:rPr lang="en-US" dirty="0"/>
+              <a:t>Might therefore be biased in responding</a:t>
+            </a:r>
           </a:p>
         </p:txBody>
       </p:sp>
     </p:spTree>
     <p:extLst>
       <p:ext uri="{BB962C8B-B14F-4D97-AF65-F5344CB8AC3E}">
-        <p14:creationId xmlns:p14="http://schemas.microsoft.com/office/powerpoint/2010/main" val="2715545047"/>
+        <p14:creationId xmlns:p14="http://schemas.microsoft.com/office/powerpoint/2010/main" val="900003278"/>
       </p:ext>
     </p:extLst>
   </p:cSld>
@@ -8244,10 +8517,10 @@
       </p:grpSpPr>
       <p:sp>
         <p:nvSpPr>
-          <p:cNvPr id="2" name="Title 1">
-            <a:extLst>
-              <a:ext uri="{FF2B5EF4-FFF2-40B4-BE49-F238E27FC236}">
-                <a16:creationId xmlns:a16="http://schemas.microsoft.com/office/drawing/2014/main" id="{A2AE4807-5DB0-4850-86C9-01ED3BE228F5}"/>
+          <p:cNvPr id="5" name="Title 4">
+            <a:extLst>
+              <a:ext uri="{FF2B5EF4-FFF2-40B4-BE49-F238E27FC236}">
+                <a16:creationId xmlns:a16="http://schemas.microsoft.com/office/drawing/2014/main" id="{92F574E5-3F2A-F12C-2975-5AE21DE7135E}"/>
               </a:ext>
             </a:extLst>
           </p:cNvPr>
@@ -8263,43 +8536,94 @@
           <a:bodyPr/>
           <a:lstStyle/>
           <a:p>
-            <a:endParaRPr lang="en-US"/>
-          </a:p>
-        </p:txBody>
-      </p:sp>
-      <p:pic>
-        <p:nvPicPr>
-          <p:cNvPr id="5" name="Content Placeholder 4">
-            <a:extLst>
-              <a:ext uri="{FF2B5EF4-FFF2-40B4-BE49-F238E27FC236}">
-                <a16:creationId xmlns:a16="http://schemas.microsoft.com/office/drawing/2014/main" id="{FC72EDAA-BD18-477C-8555-E041126D5068}"/>
-              </a:ext>
-            </a:extLst>
-          </p:cNvPr>
-          <p:cNvPicPr>
-            <a:picLocks noGrp="1" noChangeAspect="1"/>
-          </p:cNvPicPr>
+            <a:r>
+              <a:rPr lang="en-US" dirty="0"/>
+              <a:t>Questions</a:t>
+            </a:r>
+          </a:p>
+        </p:txBody>
+      </p:sp>
+      <p:sp>
+        <p:nvSpPr>
+          <p:cNvPr id="6" name="Content Placeholder 5">
+            <a:extLst>
+              <a:ext uri="{FF2B5EF4-FFF2-40B4-BE49-F238E27FC236}">
+                <a16:creationId xmlns:a16="http://schemas.microsoft.com/office/drawing/2014/main" id="{A19D7ECB-8CCE-8E1A-AF0D-50B6A493FB0C}"/>
+              </a:ext>
+            </a:extLst>
+          </p:cNvPr>
+          <p:cNvSpPr>
+            <a:spLocks noGrp="1"/>
+          </p:cNvSpPr>
           <p:nvPr>
             <p:ph idx="1"/>
           </p:nvPr>
-        </p:nvPicPr>
-        <p:blipFill>
-          <a:blip r:embed="rId2"/>
-          <a:stretch>
-            <a:fillRect/>
-          </a:stretch>
-        </p:blipFill>
-        <p:spPr>
-          <a:xfrm>
-            <a:off x="1503218" y="365125"/>
-            <a:ext cx="9457706" cy="5657506"/>
-          </a:xfrm>
-        </p:spPr>
-      </p:pic>
+        </p:nvSpPr>
+        <p:spPr/>
+        <p:txBody>
+          <a:bodyPr/>
+          <a:lstStyle/>
+          <a:p>
+            <a:pPr algn="l"/>
+            <a:r>
+              <a:rPr lang="en-US" b="0" i="0" dirty="0">
+                <a:solidFill>
+                  <a:srgbClr val="2D3B45"/>
+                </a:solidFill>
+                <a:effectLst/>
+                <a:latin typeface="Lato Extended"/>
+              </a:rPr>
+              <a:t>1. Why is it generally impractical to use a within-participants design in studies that have an element of deception (e.g., the implicit bias studies)?</a:t>
+            </a:r>
+          </a:p>
+          <a:p>
+            <a:pPr algn="l"/>
+            <a:r>
+              <a:rPr lang="en-US" b="0" i="0" dirty="0">
+                <a:solidFill>
+                  <a:srgbClr val="2D3B45"/>
+                </a:solidFill>
+                <a:effectLst/>
+                <a:latin typeface="Lato Extended"/>
+              </a:rPr>
+              <a:t>2. For a study assessing time to recognize famous faces upside-down, why would a within-participants design be a good idea?  Give two reasons.</a:t>
+            </a:r>
+          </a:p>
+          <a:p>
+            <a:pPr algn="l"/>
+            <a:r>
+              <a:rPr lang="en-US" b="0" i="0" dirty="0">
+                <a:solidFill>
+                  <a:srgbClr val="2D3B45"/>
+                </a:solidFill>
+                <a:effectLst/>
+                <a:latin typeface="Lato Extended"/>
+              </a:rPr>
+              <a:t>3. Why are mood manipulation studies difficult to do as a within-participants design?</a:t>
+            </a:r>
+          </a:p>
+          <a:p>
+            <a:pPr algn="l"/>
+            <a:r>
+              <a:rPr lang="en-US" b="0" i="0" dirty="0">
+                <a:solidFill>
+                  <a:srgbClr val="2D3B45"/>
+                </a:solidFill>
+                <a:effectLst/>
+                <a:latin typeface="Lato Extended"/>
+              </a:rPr>
+              <a:t>4.  Why are learning-based studies difficult to do as a within-participants design?</a:t>
+            </a:r>
+          </a:p>
+          <a:p>
+            <a:endParaRPr lang="en-US" dirty="0"/>
+          </a:p>
+        </p:txBody>
+      </p:sp>
     </p:spTree>
     <p:extLst>
       <p:ext uri="{BB962C8B-B14F-4D97-AF65-F5344CB8AC3E}">
-        <p14:creationId xmlns:p14="http://schemas.microsoft.com/office/powerpoint/2010/main" val="628076863"/>
+        <p14:creationId xmlns:p14="http://schemas.microsoft.com/office/powerpoint/2010/main" val="2715545047"/>
       </p:ext>
     </p:extLst>
   </p:cSld>
